--- a/Ugaday_chiclo_itog.pptx
+++ b/Ugaday_chiclo_itog.pptx
@@ -13,9 +13,11 @@
     <p:sldId id="264" r:id="rId7"/>
     <p:sldId id="265" r:id="rId8"/>
     <p:sldId id="266" r:id="rId9"/>
-    <p:sldId id="260" r:id="rId10"/>
-    <p:sldId id="261" r:id="rId11"/>
-    <p:sldId id="262" r:id="rId12"/>
+    <p:sldId id="267" r:id="rId10"/>
+    <p:sldId id="268" r:id="rId11"/>
+    <p:sldId id="260" r:id="rId12"/>
+    <p:sldId id="261" r:id="rId13"/>
+    <p:sldId id="262" r:id="rId14"/>
   </p:sldIdLst>
   <p:sldSz cx="9144000" cy="6858000" type="screen4x3"/>
   <p:notesSz cx="6858000" cy="9144000"/>
@@ -3935,17 +3937,29 @@
         </p:spPr>
         <p:txBody>
           <a:bodyPr>
-            <a:normAutofit fontScale="90000"/>
+            <a:normAutofit/>
           </a:bodyPr>
           <a:lstStyle/>
           <a:p>
             <a:pPr algn="ctr"/>
             <a:r>
-              <a:rPr lang="ru-RU" dirty="0" smtClean="0"/>
+              <a:rPr lang="ru-RU" sz="3600" dirty="0" smtClean="0"/>
               <a:t>Итоговый проект</a:t>
             </a:r>
             <a:r>
-              <a:rPr lang="en-US" dirty="0" smtClean="0"/>
+              <a:rPr lang="en-US" sz="3600" dirty="0" smtClean="0"/>
+              <a:t> </a:t>
+            </a:r>
+            <a:r>
+              <a:rPr lang="ru-RU" sz="3600" dirty="0" err="1" smtClean="0"/>
+              <a:t>Яндекс</a:t>
+            </a:r>
+            <a:r>
+              <a:rPr lang="ru-RU" sz="3600" dirty="0" smtClean="0"/>
+              <a:t> Лицея</a:t>
+            </a:r>
+            <a:r>
+              <a:rPr lang="en-US" sz="3600" dirty="0" smtClean="0"/>
               <a:t>.  </a:t>
             </a:r>
             <a:r>
@@ -3956,14 +3970,18 @@
               <a:rPr lang="ru-RU" dirty="0" smtClean="0"/>
             </a:br>
             <a:r>
-              <a:rPr lang="ru-RU" dirty="0" smtClean="0"/>
+              <a:rPr lang="ru-RU" dirty="0" smtClean="0">
+                <a:solidFill>
+                  <a:srgbClr val="FF0000"/>
+                </a:solidFill>
+              </a:rPr>
               <a:t>Игра «Угадай число»  </a:t>
             </a:r>
             <a:r>
-              <a:rPr lang="ru-RU" dirty="0" smtClean="0"/>
+              <a:rPr lang="ru-RU" sz="3600" dirty="0" smtClean="0"/>
               <a:t>(навык для Алисы)</a:t>
             </a:r>
-            <a:endParaRPr lang="ru-RU" dirty="0"/>
+            <a:endParaRPr lang="ru-RU" sz="3600" dirty="0"/>
           </a:p>
         </p:txBody>
       </p:sp>
@@ -4085,78 +4103,93 @@
             <p:ph type="title"/>
           </p:nvPr>
         </p:nvSpPr>
-        <p:spPr/>
-        <p:txBody>
-          <a:bodyPr>
-            <a:normAutofit fontScale="90000"/>
-          </a:bodyPr>
-          <a:lstStyle/>
-          <a:p>
-            <a:pPr algn="ctr"/>
-            <a:r>
-              <a:rPr lang="ru-RU" dirty="0" smtClean="0"/>
-              <a:t>Возможности </a:t>
-            </a:r>
-            <a:r>
-              <a:rPr lang="ru-RU" dirty="0"/>
-              <a:t>для доработки и </a:t>
-            </a:r>
-            <a:r>
-              <a:rPr lang="ru-RU" dirty="0" smtClean="0"/>
-              <a:t>развития:</a:t>
-            </a:r>
-            <a:endParaRPr lang="ru-RU" dirty="0"/>
-          </a:p>
-        </p:txBody>
-      </p:sp>
-      <p:sp>
-        <p:nvSpPr>
-          <p:cNvPr id="3" name="Содержимое 2"/>
-          <p:cNvSpPr>
-            <a:spLocks noGrp="1"/>
-          </p:cNvSpPr>
-          <p:nvPr>
-            <p:ph idx="1"/>
-          </p:nvPr>
-        </p:nvSpPr>
-        <p:spPr/>
+        <p:spPr>
+          <a:xfrm>
+            <a:off x="0" y="0"/>
+            <a:ext cx="9144000" cy="1143000"/>
+          </a:xfrm>
+        </p:spPr>
         <p:txBody>
           <a:bodyPr>
             <a:normAutofit/>
           </a:bodyPr>
           <a:lstStyle/>
           <a:p>
-            <a:pPr marL="514350" indent="-514350">
-              <a:buFont typeface="Wingdings" pitchFamily="2" charset="2"/>
-              <a:buChar char="Ø"/>
-            </a:pPr>
-            <a:r>
-              <a:rPr lang="ru-RU" sz="2800" dirty="0" smtClean="0"/>
-              <a:t>Доработать навык Алисы  для возможность выхода пользователя из игры в любом месте диалога.</a:t>
-            </a:r>
-          </a:p>
-          <a:p>
-            <a:pPr marL="514350" indent="-514350">
-              <a:buFont typeface="Wingdings" pitchFamily="2" charset="2"/>
-              <a:buChar char="Ø"/>
-            </a:pPr>
-            <a:r>
-              <a:rPr lang="ru-RU" sz="2800" dirty="0" smtClean="0"/>
-              <a:t>Разработать второй режим игры,  когда пользователь будет  отгадывать число, задуманное Алисой</a:t>
-            </a:r>
-          </a:p>
-          <a:p>
-            <a:pPr marL="514350" indent="-514350">
-              <a:buFont typeface="Wingdings" pitchFamily="2" charset="2"/>
-              <a:buChar char="Ø"/>
-            </a:pPr>
-            <a:r>
-              <a:rPr lang="ru-RU" sz="2800" dirty="0" smtClean="0"/>
-              <a:t>Доработать навык:  показывать наилучший результат ,  когда  число угадано за наименьшее число ходов</a:t>
-            </a:r>
-          </a:p>
-        </p:txBody>
-      </p:sp>
+            <a:pPr algn="ctr"/>
+            <a:r>
+              <a:rPr lang="ru-RU" dirty="0" smtClean="0"/>
+              <a:t>Окончание игры</a:t>
+            </a:r>
+            <a:endParaRPr lang="ru-RU" sz="4000" dirty="0"/>
+          </a:p>
+        </p:txBody>
+      </p:sp>
+      <p:pic>
+        <p:nvPicPr>
+          <p:cNvPr id="3074" name="Picture 2"/>
+          <p:cNvPicPr>
+            <a:picLocks noChangeAspect="1" noChangeArrowheads="1"/>
+          </p:cNvPicPr>
+          <p:nvPr/>
+        </p:nvPicPr>
+        <p:blipFill>
+          <a:blip r:embed="rId2" cstate="print"/>
+          <a:srcRect/>
+          <a:stretch>
+            <a:fillRect/>
+          </a:stretch>
+        </p:blipFill>
+        <p:spPr bwMode="auto">
+          <a:xfrm>
+            <a:off x="0" y="1142984"/>
+            <a:ext cx="5989972" cy="2938477"/>
+          </a:xfrm>
+          <a:prstGeom prst="rect">
+            <a:avLst/>
+          </a:prstGeom>
+          <a:noFill/>
+          <a:ln w="9525">
+            <a:noFill/>
+            <a:miter lim="800000"/>
+            <a:headEnd/>
+            <a:tailEnd/>
+          </a:ln>
+          <a:effectLst/>
+        </p:spPr>
+      </p:pic>
+      <p:pic>
+        <p:nvPicPr>
+          <p:cNvPr id="3075" name="Picture 3"/>
+          <p:cNvPicPr>
+            <a:picLocks noChangeAspect="1" noChangeArrowheads="1"/>
+          </p:cNvPicPr>
+          <p:nvPr/>
+        </p:nvPicPr>
+        <p:blipFill>
+          <a:blip r:embed="rId3" cstate="print"/>
+          <a:srcRect/>
+          <a:stretch>
+            <a:fillRect/>
+          </a:stretch>
+        </p:blipFill>
+        <p:spPr bwMode="auto">
+          <a:xfrm>
+            <a:off x="3143240" y="3857628"/>
+            <a:ext cx="5576914" cy="2579902"/>
+          </a:xfrm>
+          <a:prstGeom prst="rect">
+            <a:avLst/>
+          </a:prstGeom>
+          <a:noFill/>
+          <a:ln w="9525">
+            <a:noFill/>
+            <a:miter lim="800000"/>
+            <a:headEnd/>
+            <a:tailEnd/>
+          </a:ln>
+          <a:effectLst/>
+        </p:spPr>
+      </p:pic>
     </p:spTree>
   </p:cSld>
   <p:clrMapOvr>
@@ -4176,6 +4209,246 @@
 </file>
 
 <file path=ppt/slides/slide11.xml><?xml version="1.0" encoding="utf-8"?>
+<p:sld xmlns:a="http://schemas.openxmlformats.org/drawingml/2006/main" xmlns:r="http://schemas.openxmlformats.org/officeDocument/2006/relationships" xmlns:p="http://schemas.openxmlformats.org/presentationml/2006/main">
+  <p:cSld>
+    <p:spTree>
+      <p:nvGrpSpPr>
+        <p:cNvPr id="1" name=""/>
+        <p:cNvGrpSpPr/>
+        <p:nvPr/>
+      </p:nvGrpSpPr>
+      <p:grpSpPr>
+        <a:xfrm>
+          <a:off x="0" y="0"/>
+          <a:ext cx="0" cy="0"/>
+          <a:chOff x="0" y="0"/>
+          <a:chExt cx="0" cy="0"/>
+        </a:xfrm>
+      </p:grpSpPr>
+      <p:sp>
+        <p:nvSpPr>
+          <p:cNvPr id="2" name="Заголовок 1"/>
+          <p:cNvSpPr>
+            <a:spLocks noGrp="1"/>
+          </p:cNvSpPr>
+          <p:nvPr>
+            <p:ph type="title"/>
+          </p:nvPr>
+        </p:nvSpPr>
+        <p:spPr/>
+        <p:txBody>
+          <a:bodyPr/>
+          <a:lstStyle/>
+          <a:p>
+            <a:pPr algn="ctr"/>
+            <a:r>
+              <a:rPr lang="ru-RU" dirty="0" smtClean="0"/>
+              <a:t>Вывод по работе</a:t>
+            </a:r>
+            <a:endParaRPr lang="ru-RU" dirty="0"/>
+          </a:p>
+        </p:txBody>
+      </p:sp>
+      <p:sp>
+        <p:nvSpPr>
+          <p:cNvPr id="3" name="Содержимое 2"/>
+          <p:cNvSpPr>
+            <a:spLocks noGrp="1"/>
+          </p:cNvSpPr>
+          <p:nvPr>
+            <p:ph idx="1"/>
+          </p:nvPr>
+        </p:nvSpPr>
+        <p:spPr/>
+        <p:txBody>
+          <a:bodyPr>
+            <a:normAutofit/>
+          </a:bodyPr>
+          <a:lstStyle/>
+          <a:p>
+            <a:pPr algn="just">
+              <a:buNone/>
+            </a:pPr>
+            <a:r>
+              <a:rPr lang="ru-RU" sz="2800" dirty="0" smtClean="0"/>
+              <a:t>Реализован новый навык для Алисы  «Угадай число»,  который создает игру  с </a:t>
+            </a:r>
+            <a:r>
+              <a:rPr lang="ru-RU" sz="2800" dirty="0" smtClean="0"/>
+              <a:t>пользователем.  Поочередно сначала Алиса загадывает число 1-100, а , затем поль</a:t>
+            </a:r>
+            <a:r>
+              <a:rPr lang="ru-RU" sz="2800" dirty="0" smtClean="0"/>
+              <a:t>зователь отгадывает. Затем п</a:t>
+            </a:r>
+            <a:r>
+              <a:rPr lang="ru-RU" sz="2800" dirty="0" smtClean="0"/>
+              <a:t>ользователь загадывают число от 1 до 100, а Алиса отгадывает.  </a:t>
+            </a:r>
+          </a:p>
+          <a:p>
+            <a:pPr algn="just">
+              <a:buNone/>
+            </a:pPr>
+            <a:r>
+              <a:rPr lang="ru-RU" sz="2800" dirty="0" smtClean="0">
+                <a:solidFill>
+                  <a:srgbClr val="FF0000"/>
+                </a:solidFill>
+              </a:rPr>
+              <a:t>Выигрывает тот, кто отгадает число за меньшее кол-во ходов.</a:t>
+            </a:r>
+            <a:endParaRPr lang="ru-RU" sz="2800" dirty="0" smtClean="0">
+              <a:solidFill>
+                <a:srgbClr val="FF0000"/>
+              </a:solidFill>
+            </a:endParaRPr>
+          </a:p>
+          <a:p>
+            <a:pPr algn="just">
+              <a:buNone/>
+            </a:pPr>
+            <a:endParaRPr lang="ru-RU" sz="2800" dirty="0" smtClean="0">
+              <a:solidFill>
+                <a:srgbClr val="FF0000"/>
+              </a:solidFill>
+            </a:endParaRPr>
+          </a:p>
+          <a:p>
+            <a:pPr>
+              <a:buNone/>
+            </a:pPr>
+            <a:endParaRPr lang="ru-RU" sz="3600" dirty="0" smtClean="0"/>
+          </a:p>
+          <a:p>
+            <a:pPr>
+              <a:buNone/>
+            </a:pPr>
+            <a:endParaRPr lang="ru-RU" sz="3600" dirty="0"/>
+          </a:p>
+        </p:txBody>
+      </p:sp>
+    </p:spTree>
+  </p:cSld>
+  <p:clrMapOvr>
+    <a:masterClrMapping/>
+  </p:clrMapOvr>
+  <p:transition>
+    <p:newsflash/>
+  </p:transition>
+  <p:timing>
+    <p:tnLst>
+      <p:par>
+        <p:cTn id="1" dur="indefinite" restart="never" nodeType="tmRoot"/>
+      </p:par>
+    </p:tnLst>
+  </p:timing>
+</p:sld>
+</file>
+
+<file path=ppt/slides/slide12.xml><?xml version="1.0" encoding="utf-8"?>
+<p:sld xmlns:a="http://schemas.openxmlformats.org/drawingml/2006/main" xmlns:r="http://schemas.openxmlformats.org/officeDocument/2006/relationships" xmlns:p="http://schemas.openxmlformats.org/presentationml/2006/main">
+  <p:cSld>
+    <p:spTree>
+      <p:nvGrpSpPr>
+        <p:cNvPr id="1" name=""/>
+        <p:cNvGrpSpPr/>
+        <p:nvPr/>
+      </p:nvGrpSpPr>
+      <p:grpSpPr>
+        <a:xfrm>
+          <a:off x="0" y="0"/>
+          <a:ext cx="0" cy="0"/>
+          <a:chOff x="0" y="0"/>
+          <a:chExt cx="0" cy="0"/>
+        </a:xfrm>
+      </p:grpSpPr>
+      <p:sp>
+        <p:nvSpPr>
+          <p:cNvPr id="2" name="Заголовок 1"/>
+          <p:cNvSpPr>
+            <a:spLocks noGrp="1"/>
+          </p:cNvSpPr>
+          <p:nvPr>
+            <p:ph type="title"/>
+          </p:nvPr>
+        </p:nvSpPr>
+        <p:spPr/>
+        <p:txBody>
+          <a:bodyPr>
+            <a:normAutofit fontScale="90000"/>
+          </a:bodyPr>
+          <a:lstStyle/>
+          <a:p>
+            <a:pPr algn="ctr"/>
+            <a:r>
+              <a:rPr lang="ru-RU" dirty="0" smtClean="0"/>
+              <a:t>Возможности </a:t>
+            </a:r>
+            <a:r>
+              <a:rPr lang="ru-RU" dirty="0"/>
+              <a:t>для доработки и </a:t>
+            </a:r>
+            <a:r>
+              <a:rPr lang="ru-RU" dirty="0" smtClean="0"/>
+              <a:t>развития:</a:t>
+            </a:r>
+            <a:endParaRPr lang="ru-RU" dirty="0"/>
+          </a:p>
+        </p:txBody>
+      </p:sp>
+      <p:sp>
+        <p:nvSpPr>
+          <p:cNvPr id="3" name="Содержимое 2"/>
+          <p:cNvSpPr>
+            <a:spLocks noGrp="1"/>
+          </p:cNvSpPr>
+          <p:nvPr>
+            <p:ph idx="1"/>
+          </p:nvPr>
+        </p:nvSpPr>
+        <p:spPr/>
+        <p:txBody>
+          <a:bodyPr>
+            <a:normAutofit/>
+          </a:bodyPr>
+          <a:lstStyle/>
+          <a:p>
+            <a:pPr marL="514350" indent="-514350">
+              <a:buFont typeface="Wingdings" pitchFamily="2" charset="2"/>
+              <a:buChar char="Ø"/>
+            </a:pPr>
+            <a:r>
+              <a:rPr lang="ru-RU" sz="2800" dirty="0" smtClean="0"/>
+              <a:t>Доработать навык Алисы  для возможность выхода пользователя из игры в любом месте диалога</a:t>
+            </a:r>
+            <a:r>
+              <a:rPr lang="ru-RU" sz="2800" dirty="0" smtClean="0"/>
+              <a:t>.</a:t>
+            </a:r>
+            <a:endParaRPr lang="ru-RU" sz="2800" dirty="0" smtClean="0"/>
+          </a:p>
+        </p:txBody>
+      </p:sp>
+    </p:spTree>
+  </p:cSld>
+  <p:clrMapOvr>
+    <a:masterClrMapping/>
+  </p:clrMapOvr>
+  <p:transition>
+    <p:newsflash/>
+  </p:transition>
+  <p:timing>
+    <p:tnLst>
+      <p:par>
+        <p:cTn id="1" dur="indefinite" restart="never" nodeType="tmRoot"/>
+      </p:par>
+    </p:tnLst>
+  </p:timing>
+</p:sld>
+</file>
+
+<file path=ppt/slides/slide13.xml><?xml version="1.0" encoding="utf-8"?>
 <p:sld xmlns:a="http://schemas.openxmlformats.org/drawingml/2006/main" xmlns:r="http://schemas.openxmlformats.org/officeDocument/2006/relationships" xmlns:p="http://schemas.openxmlformats.org/presentationml/2006/main">
   <p:cSld>
     <p:spTree>
@@ -5293,7 +5566,7 @@
         </p:nvSpPr>
         <p:spPr>
           <a:xfrm>
-            <a:off x="0" y="500042"/>
+            <a:off x="0" y="0"/>
             <a:ext cx="9144000" cy="1143000"/>
           </a:xfrm>
         </p:spPr>
@@ -5306,15 +5579,15 @@
             <a:pPr algn="ctr"/>
             <a:r>
               <a:rPr lang="ru-RU" dirty="0" smtClean="0"/>
-              <a:t>Окончание игры</a:t>
-            </a:r>
-            <a:endParaRPr lang="ru-RU" dirty="0"/>
+              <a:t>Переход на второй режим игры</a:t>
+            </a:r>
+            <a:endParaRPr lang="ru-RU" sz="4000" dirty="0"/>
           </a:p>
         </p:txBody>
       </p:sp>
       <p:pic>
         <p:nvPicPr>
-          <p:cNvPr id="6146" name="Picture 2"/>
+          <p:cNvPr id="1027" name="Picture 3"/>
           <p:cNvPicPr>
             <a:picLocks noChangeAspect="1" noChangeArrowheads="1"/>
           </p:cNvPicPr>
@@ -5329,8 +5602,8 @@
         </p:blipFill>
         <p:spPr bwMode="auto">
           <a:xfrm>
-            <a:off x="1068183" y="1714488"/>
-            <a:ext cx="7508182" cy="3214710"/>
+            <a:off x="0" y="1357298"/>
+            <a:ext cx="6500858" cy="4351103"/>
           </a:xfrm>
           <a:prstGeom prst="rect">
             <a:avLst/>
@@ -5345,6 +5618,130 @@
           <a:effectLst/>
         </p:spPr>
       </p:pic>
+      <p:sp>
+        <p:nvSpPr>
+          <p:cNvPr id="6" name="Заголовок 1"/>
+          <p:cNvSpPr txBox="1">
+            <a:spLocks/>
+          </p:cNvSpPr>
+          <p:nvPr/>
+        </p:nvSpPr>
+        <p:spPr>
+          <a:xfrm>
+            <a:off x="6286512" y="4214818"/>
+            <a:ext cx="2643174" cy="1143008"/>
+          </a:xfrm>
+          <a:prstGeom prst="rect">
+            <a:avLst/>
+          </a:prstGeom>
+        </p:spPr>
+        <p:txBody>
+          <a:bodyPr vert="horz" lIns="0" rIns="0" bIns="0" anchor="b">
+            <a:normAutofit/>
+          </a:bodyPr>
+          <a:lstStyle/>
+          <a:p>
+            <a:pPr marL="0" marR="0" lvl="0" indent="0" algn="ctr" defTabSz="914400" rtl="0" eaLnBrk="1" fontAlgn="auto" latinLnBrk="0" hangingPunct="1">
+              <a:lnSpc>
+                <a:spcPct val="100000"/>
+              </a:lnSpc>
+              <a:spcBef>
+                <a:spcPct val="0"/>
+              </a:spcBef>
+              <a:spcAft>
+                <a:spcPts val="0"/>
+              </a:spcAft>
+              <a:buClrTx/>
+              <a:buSzTx/>
+              <a:buFontTx/>
+              <a:buNone/>
+              <a:tabLst/>
+              <a:defRPr/>
+            </a:pPr>
+            <a:r>
+              <a:rPr kumimoji="0" lang="ru-RU" sz="2400" b="1" i="0" u="none" strike="noStrike" kern="1200" cap="none" spc="0" normalizeH="0" baseline="0" noProof="0" dirty="0" smtClean="0">
+                <a:ln>
+                  <a:noFill/>
+                </a:ln>
+                <a:solidFill>
+                  <a:srgbClr val="0070C0"/>
+                </a:solidFill>
+                <a:effectLst/>
+                <a:uLnTx/>
+                <a:uFillTx/>
+                <a:latin typeface="+mj-lt"/>
+                <a:ea typeface="+mj-ea"/>
+                <a:cs typeface="+mj-cs"/>
+              </a:rPr>
+              <a:t>Число задумывает</a:t>
+            </a:r>
+            <a:r>
+              <a:rPr kumimoji="0" lang="ru-RU" sz="2400" b="1" i="0" u="none" strike="noStrike" kern="1200" cap="none" spc="0" normalizeH="0" noProof="0" dirty="0" smtClean="0">
+                <a:ln>
+                  <a:noFill/>
+                </a:ln>
+                <a:solidFill>
+                  <a:srgbClr val="0070C0"/>
+                </a:solidFill>
+                <a:effectLst/>
+                <a:uLnTx/>
+                <a:uFillTx/>
+                <a:latin typeface="+mj-lt"/>
+                <a:ea typeface="+mj-ea"/>
+                <a:cs typeface="+mj-cs"/>
+              </a:rPr>
+              <a:t> Алиса – отгадывает пользователь</a:t>
+            </a:r>
+            <a:endParaRPr kumimoji="0" lang="ru-RU" sz="2400" b="1" i="0" u="none" strike="noStrike" kern="1200" cap="none" spc="0" normalizeH="0" baseline="0" noProof="0" dirty="0">
+              <a:ln>
+                <a:noFill/>
+              </a:ln>
+              <a:solidFill>
+                <a:srgbClr val="0070C0"/>
+              </a:solidFill>
+              <a:effectLst/>
+              <a:uLnTx/>
+              <a:uFillTx/>
+              <a:latin typeface="+mj-lt"/>
+              <a:ea typeface="+mj-ea"/>
+              <a:cs typeface="+mj-cs"/>
+            </a:endParaRPr>
+          </a:p>
+        </p:txBody>
+      </p:sp>
+      <p:cxnSp>
+        <p:nvCxnSpPr>
+          <p:cNvPr id="8" name="Прямая со стрелкой 7"/>
+          <p:cNvCxnSpPr/>
+          <p:nvPr/>
+        </p:nvCxnSpPr>
+        <p:spPr>
+          <a:xfrm rot="10800000">
+            <a:off x="5572132" y="4643446"/>
+            <a:ext cx="785818" cy="1588"/>
+          </a:xfrm>
+          <a:prstGeom prst="straightConnector1">
+            <a:avLst/>
+          </a:prstGeom>
+          <a:ln>
+            <a:tailEnd type="arrow"/>
+          </a:ln>
+        </p:spPr>
+        <p:style>
+          <a:lnRef idx="1">
+            <a:schemeClr val="accent1"/>
+          </a:lnRef>
+          <a:fillRef idx="0">
+            <a:schemeClr val="accent1"/>
+          </a:fillRef>
+          <a:effectRef idx="0">
+            <a:schemeClr val="accent1"/>
+          </a:effectRef>
+          <a:fontRef idx="minor">
+            <a:schemeClr val="tx1"/>
+          </a:fontRef>
+        </p:style>
+      </p:cxnSp>
     </p:spTree>
   </p:cSld>
   <p:clrMapOvr>
@@ -5390,83 +5787,254 @@
             <p:ph type="title"/>
           </p:nvPr>
         </p:nvSpPr>
-        <p:spPr/>
-        <p:txBody>
-          <a:bodyPr/>
+        <p:spPr>
+          <a:xfrm>
+            <a:off x="0" y="285728"/>
+            <a:ext cx="9144000" cy="1143000"/>
+          </a:xfrm>
+        </p:spPr>
+        <p:txBody>
+          <a:bodyPr>
+            <a:normAutofit fontScale="90000"/>
+          </a:bodyPr>
           <a:lstStyle/>
           <a:p>
             <a:pPr algn="ctr"/>
             <a:r>
               <a:rPr lang="ru-RU" dirty="0" smtClean="0"/>
-              <a:t>Вывод по работе</a:t>
-            </a:r>
-            <a:endParaRPr lang="ru-RU" dirty="0"/>
-          </a:p>
-        </p:txBody>
-      </p:sp>
-      <p:sp>
-        <p:nvSpPr>
-          <p:cNvPr id="3" name="Содержимое 2"/>
-          <p:cNvSpPr>
-            <a:spLocks noGrp="1"/>
-          </p:cNvSpPr>
-          <p:nvPr>
-            <p:ph idx="1"/>
-          </p:nvPr>
-        </p:nvSpPr>
-        <p:spPr/>
-        <p:txBody>
-          <a:bodyPr>
+              <a:t>Сообщение об ошибках ввода во 2-</a:t>
+            </a:r>
+            <a:r>
+              <a:rPr lang="ru-RU" dirty="0" smtClean="0"/>
+              <a:t>м режиме игры</a:t>
+            </a:r>
+            <a:endParaRPr lang="ru-RU" sz="4000" dirty="0"/>
+          </a:p>
+        </p:txBody>
+      </p:sp>
+      <p:sp>
+        <p:nvSpPr>
+          <p:cNvPr id="6" name="Заголовок 1"/>
+          <p:cNvSpPr txBox="1">
+            <a:spLocks/>
+          </p:cNvSpPr>
+          <p:nvPr/>
+        </p:nvSpPr>
+        <p:spPr>
+          <a:xfrm>
+            <a:off x="6286512" y="4214818"/>
+            <a:ext cx="2643174" cy="1143008"/>
+          </a:xfrm>
+          <a:prstGeom prst="rect">
+            <a:avLst/>
+          </a:prstGeom>
+        </p:spPr>
+        <p:txBody>
+          <a:bodyPr vert="horz" lIns="0" rIns="0" bIns="0" anchor="b">
             <a:normAutofit/>
           </a:bodyPr>
           <a:lstStyle/>
           <a:p>
-            <a:pPr algn="just">
+            <a:pPr marL="0" marR="0" lvl="0" indent="0" algn="ctr" defTabSz="914400" rtl="0" eaLnBrk="1" fontAlgn="auto" latinLnBrk="0" hangingPunct="1">
+              <a:lnSpc>
+                <a:spcPct val="100000"/>
+              </a:lnSpc>
+              <a:spcBef>
+                <a:spcPct val="0"/>
+              </a:spcBef>
+              <a:spcAft>
+                <a:spcPts val="0"/>
+              </a:spcAft>
+              <a:buClrTx/>
+              <a:buSzTx/>
+              <a:buFontTx/>
               <a:buNone/>
+              <a:tabLst/>
+              <a:defRPr/>
             </a:pPr>
             <a:r>
-              <a:rPr lang="ru-RU" sz="2800" dirty="0" smtClean="0"/>
-              <a:t>Реализован новый навык для Алисы  «Угадай число»,  который создает игру  с пользователем и отгадывает  загаданные числа в диапазоне  от 1 до 100</a:t>
-            </a:r>
-            <a:endParaRPr lang="ru-RU" sz="2800" dirty="0" smtClean="0">
+              <a:rPr kumimoji="0" lang="ru-RU" sz="2400" b="1" i="0" u="none" strike="noStrike" kern="1200" cap="none" spc="0" normalizeH="0" baseline="0" noProof="0" dirty="0" smtClean="0">
+                <a:ln>
+                  <a:noFill/>
+                </a:ln>
+                <a:solidFill>
+                  <a:srgbClr val="0070C0"/>
+                </a:solidFill>
+                <a:effectLst/>
+                <a:uLnTx/>
+                <a:uFillTx/>
+                <a:latin typeface="+mj-lt"/>
+                <a:ea typeface="+mj-ea"/>
+                <a:cs typeface="+mj-cs"/>
+              </a:rPr>
+              <a:t>Число задумывает</a:t>
+            </a:r>
+            <a:r>
+              <a:rPr kumimoji="0" lang="ru-RU" sz="2400" b="1" i="0" u="none" strike="noStrike" kern="1200" cap="none" spc="0" normalizeH="0" noProof="0" dirty="0" smtClean="0">
+                <a:ln>
+                  <a:noFill/>
+                </a:ln>
+                <a:solidFill>
+                  <a:srgbClr val="0070C0"/>
+                </a:solidFill>
+                <a:effectLst/>
+                <a:uLnTx/>
+                <a:uFillTx/>
+                <a:latin typeface="+mj-lt"/>
+                <a:ea typeface="+mj-ea"/>
+                <a:cs typeface="+mj-cs"/>
+              </a:rPr>
+              <a:t> Алиса – отгадывает пользователь</a:t>
+            </a:r>
+            <a:endParaRPr kumimoji="0" lang="ru-RU" sz="2400" b="1" i="0" u="none" strike="noStrike" kern="1200" cap="none" spc="0" normalizeH="0" baseline="0" noProof="0" dirty="0">
+              <a:ln>
+                <a:noFill/>
+              </a:ln>
               <a:solidFill>
-                <a:srgbClr val="FF0000"/>
+                <a:srgbClr val="0070C0"/>
               </a:solidFill>
+              <a:effectLst/>
+              <a:uLnTx/>
+              <a:uFillTx/>
+              <a:latin typeface="+mj-lt"/>
+              <a:ea typeface="+mj-ea"/>
+              <a:cs typeface="+mj-cs"/>
             </a:endParaRPr>
           </a:p>
-          <a:p>
-            <a:pPr algn="just">
-              <a:buNone/>
-            </a:pPr>
-            <a:endParaRPr lang="ru-RU" sz="2800" dirty="0" smtClean="0">
-              <a:solidFill>
-                <a:srgbClr val="FF0000"/>
-              </a:solidFill>
-            </a:endParaRPr>
-          </a:p>
-          <a:p>
-            <a:pPr algn="just">
-              <a:buNone/>
-            </a:pPr>
-            <a:r>
-              <a:rPr lang="ru-RU" sz="2800" dirty="0" smtClean="0"/>
-              <a:t>Для усложнения игры и повышения интереса  у пользователей требуется выполнить ряд доработок</a:t>
-            </a:r>
-          </a:p>
-          <a:p>
-            <a:pPr>
-              <a:buNone/>
-            </a:pPr>
-            <a:endParaRPr lang="ru-RU" sz="3600" dirty="0" smtClean="0"/>
-          </a:p>
-          <a:p>
-            <a:pPr>
-              <a:buNone/>
-            </a:pPr>
-            <a:endParaRPr lang="ru-RU" sz="3600" dirty="0"/>
-          </a:p>
-        </p:txBody>
-      </p:sp>
+        </p:txBody>
+      </p:sp>
+      <p:cxnSp>
+        <p:nvCxnSpPr>
+          <p:cNvPr id="8" name="Прямая со стрелкой 7"/>
+          <p:cNvCxnSpPr/>
+          <p:nvPr/>
+        </p:nvCxnSpPr>
+        <p:spPr>
+          <a:xfrm rot="10800000">
+            <a:off x="5572132" y="4643446"/>
+            <a:ext cx="785818" cy="1588"/>
+          </a:xfrm>
+          <a:prstGeom prst="straightConnector1">
+            <a:avLst/>
+          </a:prstGeom>
+          <a:ln>
+            <a:tailEnd type="arrow"/>
+          </a:ln>
+        </p:spPr>
+        <p:style>
+          <a:lnRef idx="1">
+            <a:schemeClr val="accent1"/>
+          </a:lnRef>
+          <a:fillRef idx="0">
+            <a:schemeClr val="accent1"/>
+          </a:fillRef>
+          <a:effectRef idx="0">
+            <a:schemeClr val="accent1"/>
+          </a:effectRef>
+          <a:fontRef idx="minor">
+            <a:schemeClr val="tx1"/>
+          </a:fontRef>
+        </p:style>
+      </p:cxnSp>
+      <p:pic>
+        <p:nvPicPr>
+          <p:cNvPr id="2050" name="Picture 2"/>
+          <p:cNvPicPr>
+            <a:picLocks noChangeAspect="1" noChangeArrowheads="1"/>
+          </p:cNvPicPr>
+          <p:nvPr/>
+        </p:nvPicPr>
+        <p:blipFill>
+          <a:blip r:embed="rId2" cstate="print"/>
+          <a:srcRect/>
+          <a:stretch>
+            <a:fillRect/>
+          </a:stretch>
+        </p:blipFill>
+        <p:spPr bwMode="auto">
+          <a:xfrm>
+            <a:off x="500034" y="1357298"/>
+            <a:ext cx="3929090" cy="1290825"/>
+          </a:xfrm>
+          <a:prstGeom prst="rect">
+            <a:avLst/>
+          </a:prstGeom>
+          <a:noFill/>
+          <a:ln w="9525">
+            <a:noFill/>
+            <a:miter lim="800000"/>
+            <a:headEnd/>
+            <a:tailEnd/>
+          </a:ln>
+          <a:effectLst/>
+        </p:spPr>
+      </p:pic>
+      <p:pic>
+        <p:nvPicPr>
+          <p:cNvPr id="2051" name="Picture 3"/>
+          <p:cNvPicPr>
+            <a:picLocks noChangeAspect="1" noChangeArrowheads="1"/>
+          </p:cNvPicPr>
+          <p:nvPr/>
+        </p:nvPicPr>
+        <p:blipFill>
+          <a:blip r:embed="rId3" cstate="print"/>
+          <a:srcRect/>
+          <a:stretch>
+            <a:fillRect/>
+          </a:stretch>
+        </p:blipFill>
+        <p:spPr bwMode="auto">
+          <a:xfrm>
+            <a:off x="785786" y="2643182"/>
+            <a:ext cx="3998932" cy="1252539"/>
+          </a:xfrm>
+          <a:prstGeom prst="rect">
+            <a:avLst/>
+          </a:prstGeom>
+          <a:noFill/>
+          <a:ln w="9525">
+            <a:noFill/>
+            <a:miter lim="800000"/>
+            <a:headEnd/>
+            <a:tailEnd/>
+          </a:ln>
+          <a:effectLst/>
+        </p:spPr>
+      </p:pic>
+      <p:pic>
+        <p:nvPicPr>
+          <p:cNvPr id="2052" name="Picture 4"/>
+          <p:cNvPicPr>
+            <a:picLocks noChangeAspect="1" noChangeArrowheads="1"/>
+          </p:cNvPicPr>
+          <p:nvPr/>
+        </p:nvPicPr>
+        <p:blipFill>
+          <a:blip r:embed="rId4" cstate="print"/>
+          <a:srcRect/>
+          <a:stretch>
+            <a:fillRect/>
+          </a:stretch>
+        </p:blipFill>
+        <p:spPr bwMode="auto">
+          <a:xfrm>
+            <a:off x="428595" y="4071942"/>
+            <a:ext cx="4742005" cy="1571636"/>
+          </a:xfrm>
+          <a:prstGeom prst="rect">
+            <a:avLst/>
+          </a:prstGeom>
+          <a:noFill/>
+          <a:ln w="9525">
+            <a:noFill/>
+            <a:miter lim="800000"/>
+            <a:headEnd/>
+            <a:tailEnd/>
+          </a:ln>
+          <a:effectLst/>
+        </p:spPr>
+      </p:pic>
     </p:spTree>
   </p:cSld>
   <p:clrMapOvr>

--- a/Ugaday_chiclo_itog.pptx
+++ b/Ugaday_chiclo_itog.pptx
@@ -293,7 +293,7 @@
             <a:fld id="{F436A245-ADD3-40A0-B33C-1E7CC38A7F1B}" type="datetimeFigureOut">
               <a:rPr lang="ru-RU" smtClean="0"/>
               <a:pPr/>
-              <a:t>29.04.2019</a:t>
+              <a:t>02.05.2019</a:t>
             </a:fld>
             <a:endParaRPr lang="ru-RU"/>
           </a:p>
@@ -463,7 +463,7 @@
             <a:fld id="{F436A245-ADD3-40A0-B33C-1E7CC38A7F1B}" type="datetimeFigureOut">
               <a:rPr lang="ru-RU" smtClean="0"/>
               <a:pPr/>
-              <a:t>29.04.2019</a:t>
+              <a:t>02.05.2019</a:t>
             </a:fld>
             <a:endParaRPr lang="ru-RU"/>
           </a:p>
@@ -643,7 +643,7 @@
             <a:fld id="{F436A245-ADD3-40A0-B33C-1E7CC38A7F1B}" type="datetimeFigureOut">
               <a:rPr lang="ru-RU" smtClean="0"/>
               <a:pPr/>
-              <a:t>29.04.2019</a:t>
+              <a:t>02.05.2019</a:t>
             </a:fld>
             <a:endParaRPr lang="ru-RU"/>
           </a:p>
@@ -813,7 +813,7 @@
             <a:fld id="{F436A245-ADD3-40A0-B33C-1E7CC38A7F1B}" type="datetimeFigureOut">
               <a:rPr lang="ru-RU" smtClean="0"/>
               <a:pPr/>
-              <a:t>29.04.2019</a:t>
+              <a:t>02.05.2019</a:t>
             </a:fld>
             <a:endParaRPr lang="ru-RU"/>
           </a:p>
@@ -1060,7 +1060,7 @@
             <a:fld id="{F436A245-ADD3-40A0-B33C-1E7CC38A7F1B}" type="datetimeFigureOut">
               <a:rPr lang="ru-RU" smtClean="0"/>
               <a:pPr/>
-              <a:t>29.04.2019</a:t>
+              <a:t>02.05.2019</a:t>
             </a:fld>
             <a:endParaRPr lang="ru-RU"/>
           </a:p>
@@ -1329,7 +1329,7 @@
             <a:fld id="{F436A245-ADD3-40A0-B33C-1E7CC38A7F1B}" type="datetimeFigureOut">
               <a:rPr lang="ru-RU" smtClean="0"/>
               <a:pPr/>
-              <a:t>29.04.2019</a:t>
+              <a:t>02.05.2019</a:t>
             </a:fld>
             <a:endParaRPr lang="ru-RU"/>
           </a:p>
@@ -1712,7 +1712,7 @@
             <a:fld id="{F436A245-ADD3-40A0-B33C-1E7CC38A7F1B}" type="datetimeFigureOut">
               <a:rPr lang="ru-RU" smtClean="0"/>
               <a:pPr/>
-              <a:t>29.04.2019</a:t>
+              <a:t>02.05.2019</a:t>
             </a:fld>
             <a:endParaRPr lang="ru-RU"/>
           </a:p>
@@ -1867,7 +1867,7 @@
             <a:fld id="{F436A245-ADD3-40A0-B33C-1E7CC38A7F1B}" type="datetimeFigureOut">
               <a:rPr lang="ru-RU" smtClean="0"/>
               <a:pPr/>
-              <a:t>29.04.2019</a:t>
+              <a:t>02.05.2019</a:t>
             </a:fld>
             <a:endParaRPr lang="ru-RU"/>
           </a:p>
@@ -1962,7 +1962,7 @@
             <a:fld id="{F436A245-ADD3-40A0-B33C-1E7CC38A7F1B}" type="datetimeFigureOut">
               <a:rPr lang="ru-RU" smtClean="0"/>
               <a:pPr/>
-              <a:t>29.04.2019</a:t>
+              <a:t>02.05.2019</a:t>
             </a:fld>
             <a:endParaRPr lang="ru-RU"/>
           </a:p>
@@ -2228,7 +2228,7 @@
             <a:fld id="{F436A245-ADD3-40A0-B33C-1E7CC38A7F1B}" type="datetimeFigureOut">
               <a:rPr lang="ru-RU" smtClean="0"/>
               <a:pPr/>
-              <a:t>29.04.2019</a:t>
+              <a:t>02.05.2019</a:t>
             </a:fld>
             <a:endParaRPr lang="ru-RU"/>
           </a:p>
@@ -2521,7 +2521,7 @@
             <a:fld id="{F436A245-ADD3-40A0-B33C-1E7CC38A7F1B}" type="datetimeFigureOut">
               <a:rPr lang="ru-RU" smtClean="0"/>
               <a:pPr/>
-              <a:t>29.04.2019</a:t>
+              <a:t>02.05.2019</a:t>
             </a:fld>
             <a:endParaRPr lang="ru-RU"/>
           </a:p>
@@ -3297,7 +3297,7 @@
             <a:fld id="{F436A245-ADD3-40A0-B33C-1E7CC38A7F1B}" type="datetimeFigureOut">
               <a:rPr lang="ru-RU" smtClean="0"/>
               <a:pPr/>
-              <a:t>29.04.2019</a:t>
+              <a:t>02.05.2019</a:t>
             </a:fld>
             <a:endParaRPr lang="ru-RU"/>
           </a:p>
@@ -3931,13 +3931,13 @@
         </p:nvSpPr>
         <p:spPr>
           <a:xfrm>
-            <a:off x="1214414" y="785794"/>
-            <a:ext cx="6843706" cy="2327257"/>
+            <a:off x="0" y="785794"/>
+            <a:ext cx="9144000" cy="2327257"/>
           </a:xfrm>
         </p:spPr>
         <p:txBody>
           <a:bodyPr>
-            <a:normAutofit/>
+            <a:normAutofit fontScale="90000"/>
           </a:bodyPr>
           <a:lstStyle/>
           <a:p>
@@ -3975,11 +3975,77 @@
                   <a:srgbClr val="FF0000"/>
                 </a:solidFill>
               </a:rPr>
-              <a:t>Игра «Угадай число»  </a:t>
-            </a:r>
+              <a:t>Игра </a:t>
+            </a:r>
+            <a:r>
+              <a:rPr lang="ru-RU" dirty="0" smtClean="0">
+                <a:solidFill>
+                  <a:srgbClr val="FF0000"/>
+                </a:solidFill>
+              </a:rPr>
+              <a:t/>
+            </a:r>
+            <a:br>
+              <a:rPr lang="ru-RU" dirty="0" smtClean="0">
+                <a:solidFill>
+                  <a:srgbClr val="FF0000"/>
+                </a:solidFill>
+              </a:rPr>
+            </a:br>
+            <a:r>
+              <a:rPr lang="ru-RU" dirty="0" smtClean="0">
+                <a:solidFill>
+                  <a:srgbClr val="FF0000"/>
+                </a:solidFill>
+              </a:rPr>
+              <a:t>«</a:t>
+            </a:r>
+            <a:r>
+              <a:rPr lang="ru-RU" dirty="0" smtClean="0">
+                <a:solidFill>
+                  <a:srgbClr val="FF0000"/>
+                </a:solidFill>
+              </a:rPr>
+              <a:t>Угадай </a:t>
+            </a:r>
+            <a:r>
+              <a:rPr lang="ru-RU" dirty="0" smtClean="0">
+                <a:solidFill>
+                  <a:srgbClr val="FF0000"/>
+                </a:solidFill>
+              </a:rPr>
+              <a:t>число</a:t>
+            </a:r>
+            <a:r>
+              <a:rPr lang="en-US" dirty="0" smtClean="0">
+                <a:solidFill>
+                  <a:srgbClr val="FF0000"/>
+                </a:solidFill>
+              </a:rPr>
+              <a:t> </a:t>
+            </a:r>
+            <a:r>
+              <a:rPr lang="ru-RU" dirty="0" smtClean="0">
+                <a:solidFill>
+                  <a:srgbClr val="FF0000"/>
+                </a:solidFill>
+              </a:rPr>
+              <a:t>от 1 до 100»  </a:t>
+            </a:r>
+            <a:br>
+              <a:rPr lang="ru-RU" dirty="0" smtClean="0">
+                <a:solidFill>
+                  <a:srgbClr val="FF0000"/>
+                </a:solidFill>
+              </a:rPr>
+            </a:br>
             <a:r>
               <a:rPr lang="ru-RU" sz="3600" dirty="0" smtClean="0"/>
-              <a:t>(навык для Алисы)</a:t>
+              <a:t>(</a:t>
+            </a:r>
+            <a:r>
+              <a:rPr lang="ru-RU" sz="3600" dirty="0" smtClean="0"/>
+              <a:t>навык для Алисы)</a:t>
             </a:r>
             <a:endParaRPr lang="ru-RU" sz="3600" dirty="0"/>
           </a:p>
@@ -3997,29 +4063,63 @@
         </p:nvSpPr>
         <p:spPr>
           <a:xfrm>
-            <a:off x="3214678" y="5214950"/>
-            <a:ext cx="5643570" cy="1285884"/>
+            <a:off x="1071538" y="4929198"/>
+            <a:ext cx="7786710" cy="1928802"/>
           </a:xfrm>
         </p:spPr>
         <p:txBody>
           <a:bodyPr>
-            <a:normAutofit lnSpcReduction="10000"/>
+            <a:normAutofit/>
           </a:bodyPr>
           <a:lstStyle/>
           <a:p>
             <a:r>
+              <a:rPr lang="ru-RU" dirty="0" smtClean="0"/>
+              <a:t>Автор:  </a:t>
+            </a:r>
+            <a:r>
               <a:rPr lang="ru-RU" b="1" dirty="0" smtClean="0"/>
-              <a:t>Автор:  Тарабан Александр Игоревич</a:t>
-            </a:r>
-          </a:p>
-          <a:p>
+              <a:t>Тарабан </a:t>
+            </a:r>
             <a:r>
               <a:rPr lang="ru-RU" b="1" dirty="0" smtClean="0"/>
+              <a:t>Александр Игоревич</a:t>
+            </a:r>
+          </a:p>
+          <a:p>
+            <a:r>
+              <a:rPr lang="ru-RU" dirty="0" smtClean="0"/>
               <a:t>ученик </a:t>
             </a:r>
             <a:r>
+              <a:rPr lang="ru-RU" dirty="0" err="1" smtClean="0"/>
+              <a:t>Яндекс</a:t>
+            </a:r>
+            <a:r>
+              <a:rPr lang="ru-RU" dirty="0" smtClean="0"/>
+              <a:t> Лицея</a:t>
+            </a:r>
+          </a:p>
+          <a:p>
+            <a:r>
+              <a:rPr lang="ru-RU" dirty="0" smtClean="0"/>
+              <a:t>Преподаватель</a:t>
+            </a:r>
+            <a:r>
+              <a:rPr lang="ru-RU" dirty="0" smtClean="0"/>
+              <a:t>:   </a:t>
+            </a:r>
+            <a:r>
               <a:rPr lang="ru-RU" b="1" dirty="0" err="1" smtClean="0"/>
-              <a:t>ЯндексЛицея</a:t>
+              <a:t>Лапшинова</a:t>
+            </a:r>
+            <a:r>
+              <a:rPr lang="ru-RU" b="1" dirty="0" smtClean="0"/>
+              <a:t> </a:t>
+            </a:r>
+            <a:r>
+              <a:rPr lang="ru-RU" b="1" dirty="0" smtClean="0"/>
+              <a:t>Евгения Николаевна</a:t>
             </a:r>
             <a:endParaRPr lang="ru-RU" b="1" dirty="0"/>
           </a:p>
@@ -4042,7 +4142,7 @@
         </p:blipFill>
         <p:spPr bwMode="auto">
           <a:xfrm>
-            <a:off x="500034" y="3571876"/>
+            <a:off x="500034" y="3214686"/>
             <a:ext cx="3069708" cy="1530299"/>
           </a:xfrm>
           <a:prstGeom prst="rect">
@@ -4271,19 +4371,7 @@
             </a:pPr>
             <a:r>
               <a:rPr lang="ru-RU" sz="2800" dirty="0" smtClean="0"/>
-              <a:t>Реализован новый навык для Алисы  «Угадай число»,  который создает игру  с </a:t>
-            </a:r>
-            <a:r>
-              <a:rPr lang="ru-RU" sz="2800" dirty="0" smtClean="0"/>
-              <a:t>пользователем.  Поочередно сначала Алиса загадывает число 1-100, а , затем поль</a:t>
-            </a:r>
-            <a:r>
-              <a:rPr lang="ru-RU" sz="2800" dirty="0" smtClean="0"/>
-              <a:t>зователь отгадывает. Затем п</a:t>
-            </a:r>
-            <a:r>
-              <a:rPr lang="ru-RU" sz="2800" dirty="0" smtClean="0"/>
-              <a:t>ользователь загадывают число от 1 до 100, а Алиса отгадывает.  </a:t>
+              <a:t>Реализован новый навык для Алисы  «Угадай число»,  который создает игру  с пользователем.  Поочередно сначала Алиса загадывает число 1-100, а , затем пользователь отгадывает. Затем пользователь загадывают число от 1 до 100, а Алиса отгадывает.  </a:t>
             </a:r>
           </a:p>
           <a:p>
@@ -4298,11 +4386,6 @@
               </a:rPr>
               <a:t>Выигрывает тот, кто отгадает число за меньшее кол-во ходов.</a:t>
             </a:r>
-            <a:endParaRPr lang="ru-RU" sz="2800" dirty="0" smtClean="0">
-              <a:solidFill>
-                <a:srgbClr val="FF0000"/>
-              </a:solidFill>
-            </a:endParaRPr>
           </a:p>
           <a:p>
             <a:pPr algn="just">
@@ -4420,13 +4503,8 @@
             </a:pPr>
             <a:r>
               <a:rPr lang="ru-RU" sz="2800" dirty="0" smtClean="0"/>
-              <a:t>Доработать навык Алисы  для возможность выхода пользователя из игры в любом месте диалога</a:t>
-            </a:r>
-            <a:r>
-              <a:rPr lang="ru-RU" sz="2800" dirty="0" smtClean="0"/>
-              <a:t>.</a:t>
-            </a:r>
-            <a:endParaRPr lang="ru-RU" sz="2800" dirty="0" smtClean="0"/>
+              <a:t>Доработать навык Алисы  для возможность выхода пользователя из игры в любом месте диалога.</a:t>
+            </a:r>
           </a:p>
         </p:txBody>
       </p:sp>
@@ -4666,35 +4744,7 @@
                 <a:latin typeface="Times New Roman" pitchFamily="18" charset="0"/>
                 <a:cs typeface="Times New Roman" pitchFamily="18" charset="0"/>
               </a:rPr>
-              <a:t>Важно  </a:t>
-            </a:r>
-            <a:r>
-              <a:rPr lang="ru-RU" sz="3200" dirty="0" smtClean="0">
-                <a:latin typeface="Times New Roman" pitchFamily="18" charset="0"/>
-                <a:cs typeface="Times New Roman" pitchFamily="18" charset="0"/>
-              </a:rPr>
-              <a:t>настроить </a:t>
-            </a:r>
-            <a:r>
-              <a:rPr lang="ru-RU" sz="3200" dirty="0" smtClean="0">
-                <a:latin typeface="Times New Roman" pitchFamily="18" charset="0"/>
-                <a:cs typeface="Times New Roman" pitchFamily="18" charset="0"/>
-              </a:rPr>
-              <a:t>навык </a:t>
-            </a:r>
-            <a:r>
-              <a:rPr lang="ru-RU" sz="3200" dirty="0" smtClean="0">
-                <a:latin typeface="Times New Roman" pitchFamily="18" charset="0"/>
-                <a:cs typeface="Times New Roman" pitchFamily="18" charset="0"/>
-              </a:rPr>
-              <a:t> </a:t>
-            </a:r>
-            <a:r>
-              <a:rPr lang="ru-RU" sz="3200" dirty="0" smtClean="0">
-                <a:latin typeface="Times New Roman" pitchFamily="18" charset="0"/>
-                <a:cs typeface="Times New Roman" pitchFamily="18" charset="0"/>
-              </a:rPr>
-              <a:t>на любые ответы пользователя.</a:t>
+              <a:t>Важно  настроить навык  на любые ответы пользователя.</a:t>
             </a:r>
             <a:endParaRPr lang="en-US" sz="3200" dirty="0" smtClean="0">
               <a:latin typeface="Times New Roman" pitchFamily="18" charset="0"/>
@@ -5802,11 +5852,7 @@
             <a:pPr algn="ctr"/>
             <a:r>
               <a:rPr lang="ru-RU" dirty="0" smtClean="0"/>
-              <a:t>Сообщение об ошибках ввода во 2-</a:t>
-            </a:r>
-            <a:r>
-              <a:rPr lang="ru-RU" dirty="0" smtClean="0"/>
-              <a:t>м режиме игры</a:t>
+              <a:t>Сообщение об ошибках ввода во 2-м режиме игры</a:t>
             </a:r>
             <a:endParaRPr lang="ru-RU" sz="4000" dirty="0"/>
           </a:p>
